--- a/Java SE 8 Teaching Material/Chapter 9 - Arrays and ArrayLists.pptx
+++ b/Java SE 8 Teaching Material/Chapter 9 - Arrays and ArrayLists.pptx
@@ -1628,7 +1628,7 @@
           <a:p>
             <a:fld id="{7664DC43-F744-704A-A194-E80C7BE54CAA}" type="datetimeFigureOut">
               <a:rPr lang="en-VN" smtClean="0"/>
-              <a:t>6/9/24</a:t>
+              <a:t>09/08/2024</a:t>
             </a:fld>
             <a:endParaRPr lang="en-VN"/>
           </a:p>
@@ -2043,7 +2043,7 @@
           <a:p>
             <a:fld id="{BAA8DE05-51EE-4692-B197-877FA1DAAAED}" type="datetimeFigureOut">
               <a:rPr lang="en-US" smtClean="0"/>
-              <a:t>9/6/24</a:t>
+              <a:t>9/8/2024</a:t>
             </a:fld>
             <a:endParaRPr lang="en-US"/>
           </a:p>
@@ -2241,7 +2241,7 @@
           <a:p>
             <a:fld id="{BAA8DE05-51EE-4692-B197-877FA1DAAAED}" type="datetimeFigureOut">
               <a:rPr lang="en-US" smtClean="0"/>
-              <a:t>9/6/24</a:t>
+              <a:t>9/8/2024</a:t>
             </a:fld>
             <a:endParaRPr lang="en-US"/>
           </a:p>
@@ -2449,7 +2449,7 @@
           <a:p>
             <a:fld id="{BAA8DE05-51EE-4692-B197-877FA1DAAAED}" type="datetimeFigureOut">
               <a:rPr lang="en-US" smtClean="0"/>
-              <a:t>9/6/24</a:t>
+              <a:t>9/8/2024</a:t>
             </a:fld>
             <a:endParaRPr lang="en-US"/>
           </a:p>
@@ -2647,7 +2647,7 @@
           <a:p>
             <a:fld id="{BAA8DE05-51EE-4692-B197-877FA1DAAAED}" type="datetimeFigureOut">
               <a:rPr lang="en-US" smtClean="0"/>
-              <a:t>9/6/24</a:t>
+              <a:t>9/8/2024</a:t>
             </a:fld>
             <a:endParaRPr lang="en-US"/>
           </a:p>
@@ -2922,7 +2922,7 @@
           <a:p>
             <a:fld id="{BAA8DE05-51EE-4692-B197-877FA1DAAAED}" type="datetimeFigureOut">
               <a:rPr lang="en-US" smtClean="0"/>
-              <a:t>9/6/24</a:t>
+              <a:t>9/8/2024</a:t>
             </a:fld>
             <a:endParaRPr lang="en-US"/>
           </a:p>
@@ -3187,7 +3187,7 @@
           <a:p>
             <a:fld id="{BAA8DE05-51EE-4692-B197-877FA1DAAAED}" type="datetimeFigureOut">
               <a:rPr lang="en-US" smtClean="0"/>
-              <a:t>9/6/24</a:t>
+              <a:t>9/8/2024</a:t>
             </a:fld>
             <a:endParaRPr lang="en-US"/>
           </a:p>
@@ -3599,7 +3599,7 @@
           <a:p>
             <a:fld id="{BAA8DE05-51EE-4692-B197-877FA1DAAAED}" type="datetimeFigureOut">
               <a:rPr lang="en-US" smtClean="0"/>
-              <a:t>9/6/24</a:t>
+              <a:t>9/8/2024</a:t>
             </a:fld>
             <a:endParaRPr lang="en-US"/>
           </a:p>
@@ -3740,7 +3740,7 @@
           <a:p>
             <a:fld id="{BAA8DE05-51EE-4692-B197-877FA1DAAAED}" type="datetimeFigureOut">
               <a:rPr lang="en-US" smtClean="0"/>
-              <a:t>9/6/24</a:t>
+              <a:t>9/8/2024</a:t>
             </a:fld>
             <a:endParaRPr lang="en-US"/>
           </a:p>
@@ -3853,7 +3853,7 @@
           <a:p>
             <a:fld id="{BAA8DE05-51EE-4692-B197-877FA1DAAAED}" type="datetimeFigureOut">
               <a:rPr lang="en-US" smtClean="0"/>
-              <a:t>9/6/24</a:t>
+              <a:t>9/8/2024</a:t>
             </a:fld>
             <a:endParaRPr lang="en-US"/>
           </a:p>
@@ -4164,7 +4164,7 @@
           <a:p>
             <a:fld id="{BAA8DE05-51EE-4692-B197-877FA1DAAAED}" type="datetimeFigureOut">
               <a:rPr lang="en-US" smtClean="0"/>
-              <a:t>9/6/24</a:t>
+              <a:t>9/8/2024</a:t>
             </a:fld>
             <a:endParaRPr lang="en-US"/>
           </a:p>
@@ -4452,7 +4452,7 @@
           <a:p>
             <a:fld id="{BAA8DE05-51EE-4692-B197-877FA1DAAAED}" type="datetimeFigureOut">
               <a:rPr lang="en-US" smtClean="0"/>
-              <a:t>9/6/24</a:t>
+              <a:t>9/8/2024</a:t>
             </a:fld>
             <a:endParaRPr lang="en-US"/>
           </a:p>
@@ -4693,7 +4693,7 @@
           <a:p>
             <a:fld id="{BAA8DE05-51EE-4692-B197-877FA1DAAAED}" type="datetimeFigureOut">
               <a:rPr lang="en-US" smtClean="0"/>
-              <a:t>9/6/24</a:t>
+              <a:t>9/8/2024</a:t>
             </a:fld>
             <a:endParaRPr lang="en-US"/>
           </a:p>
@@ -8857,7 +8857,7 @@
             </a:r>
             <a:r>
               <a:rPr lang="en-US" sz="1800" dirty="0"/>
-              <a:t>()” – empty list with initial capacity of 10</a:t>
+              <a:t>()” – empty list </a:t>
             </a:r>
           </a:p>
           <a:p>
